--- a/Dijkstra's algorithm/Presentation.pptx
+++ b/Dijkstra's algorithm/Presentation.pptx
@@ -123,7 +123,7 @@
   </p:defaultTextStyle>
   <p:extLst>
     <p:ext uri="{EFAFB233-063F-42B5-8137-9DF3F51BA10A}">
-      <p15:sldGuideLst xmlns="" xmlns:p15="http://schemas.microsoft.com/office/powerpoint/2012/main">
+      <p15:sldGuideLst xmlns:p15="http://schemas.microsoft.com/office/powerpoint/2012/main">
         <p15:guide id="1" pos="3839" userDrawn="1">
           <p15:clr>
             <a:srgbClr val="A4A3A4"/>
@@ -137,7 +137,7 @@
       </p15:sldGuideLst>
     </p:ext>
     <p:ext uri="{2D200454-40CA-4A62-9FC3-DE9A4176ACB9}">
-      <p15:notesGuideLst xmlns="" xmlns:p15="http://schemas.microsoft.com/office/powerpoint/2012/main">
+      <p15:notesGuideLst xmlns:p15="http://schemas.microsoft.com/office/powerpoint/2012/main">
         <p15:guide id="1" orient="horz" pos="2880">
           <p15:clr>
             <a:srgbClr val="A4A3A4"/>
@@ -152,6 +152,14 @@
     </p:ext>
   </p:extLst>
 </p:presentation>
+</file>
+
+<file path=ppt/revisionInfo.xml><?xml version="1.0" encoding="utf-8"?>
+<p1510:revInfo xmlns:a="http://schemas.openxmlformats.org/drawingml/2006/main" xmlns:r="http://schemas.openxmlformats.org/officeDocument/2006/relationships" xmlns:p1510="http://schemas.microsoft.com/office/powerpoint/2015/10/main">
+  <p1510:revLst>
+    <p1510:client id="{F1DFFB33-C1AA-48CE-8EC1-938F81749EA6}" v="3" dt="2021-11-04T10:51:41.671"/>
+  </p1510:revLst>
+</p1510:revInfo>
 </file>
 
 <file path=ppt/handoutMasters/handoutMaster1.xml><?xml version="1.0" encoding="utf-8"?>
@@ -238,7 +246,7 @@
             <a:pPr rtl="0"/>
             <a:fld id="{E13D02FD-F98D-4393-8C2A-AA2B1B59A463}" type="datetime1">
               <a:rPr lang="ru-RU" smtClean="0"/>
-              <a:t>31.12.2018</a:t>
+              <a:t>04.11.2021</a:t>
             </a:fld>
             <a:endParaRPr lang="ru-RU" dirty="0"/>
           </a:p>
@@ -408,7 +416,7 @@
             <a:pPr rtl="0"/>
             <a:fld id="{C5164D38-2738-4F9A-AE2C-9F3DA1661795}" type="datetime1">
               <a:rPr lang="ru-RU" smtClean="0"/>
-              <a:t>31.12.2018</a:t>
+              <a:t>04.11.2021</a:t>
             </a:fld>
             <a:endParaRPr lang="ru-RU" dirty="0"/>
           </a:p>
@@ -473,38 +481,37 @@
           <a:p>
             <a:pPr lvl="0" rtl="0"/>
             <a:r>
-              <a:rPr lang="ru-RU" noProof="0" dirty="0" smtClean="0"/>
+              <a:rPr lang="ru-RU" noProof="0" dirty="0"/>
               <a:t>Образец текста</a:t>
             </a:r>
           </a:p>
           <a:p>
             <a:pPr lvl="1" rtl="0"/>
             <a:r>
-              <a:rPr lang="ru-RU" dirty="0" smtClean="0"/>
+              <a:rPr lang="ru-RU" dirty="0"/>
               <a:t>Второй уровень</a:t>
             </a:r>
           </a:p>
           <a:p>
             <a:pPr lvl="2" rtl="0"/>
             <a:r>
-              <a:rPr lang="ru-RU" dirty="0" smtClean="0"/>
+              <a:rPr lang="ru-RU" dirty="0"/>
               <a:t>Третий уровень</a:t>
             </a:r>
           </a:p>
           <a:p>
             <a:pPr lvl="3" rtl="0"/>
             <a:r>
-              <a:rPr lang="ru-RU" dirty="0" smtClean="0"/>
+              <a:rPr lang="ru-RU" dirty="0"/>
               <a:t>Четвертый уровень</a:t>
             </a:r>
           </a:p>
           <a:p>
             <a:pPr lvl="4" rtl="0"/>
             <a:r>
-              <a:rPr lang="ru-RU" dirty="0" smtClean="0"/>
+              <a:rPr lang="ru-RU" dirty="0"/>
               <a:t>Пятый уровень</a:t>
             </a:r>
-            <a:endParaRPr lang="ru-RU" dirty="0"/>
           </a:p>
         </p:txBody>
       </p:sp>
@@ -1400,7 +1407,7 @@
           </a:lstStyle>
           <a:p>
             <a:r>
-              <a:rPr lang="ru-RU" smtClean="0"/>
+              <a:rPr lang="ru-RU"/>
               <a:t>Образец подзаголовка</a:t>
             </a:r>
             <a:endParaRPr lang="en-US" dirty="0"/>
@@ -1428,7 +1435,7 @@
           <a:lstStyle/>
           <a:p>
             <a:r>
-              <a:rPr lang="ru-RU" smtClean="0"/>
+              <a:rPr lang="ru-RU"/>
               <a:t>Образец заголовка</a:t>
             </a:r>
             <a:endParaRPr lang="en-US" dirty="0"/>
@@ -1459,7 +1466,7 @@
             <a:fld id="{7CB97365-EBCA-4027-87D5-99FC1D4DF0BB}" type="datetimeFigureOut">
               <a:rPr lang="en-US" smtClean="0"/>
               <a:pPr eaLnBrk="1" latinLnBrk="0" hangingPunct="1"/>
-              <a:t>12/31/2018</a:t>
+              <a:t>11/4/2021</a:t>
             </a:fld>
             <a:endParaRPr lang="en-US"/>
           </a:p>
@@ -1539,13 +1546,6 @@
       </p:transition>
     </mc:Fallback>
   </mc:AlternateContent>
-  <p:timing>
-    <p:tnLst>
-      <p:par>
-        <p:cTn id="1" dur="indefinite" restart="never" nodeType="tmRoot"/>
-      </p:par>
-    </p:tnLst>
-  </p:timing>
 </p:sldLayout>
 </file>
 
@@ -1582,7 +1582,7 @@
           <a:lstStyle/>
           <a:p>
             <a:r>
-              <a:rPr lang="ru-RU" smtClean="0"/>
+              <a:rPr lang="ru-RU"/>
               <a:t>Образец заголовка</a:t>
             </a:r>
             <a:endParaRPr lang="en-US"/>
@@ -1606,35 +1606,35 @@
           <a:p>
             <a:pPr lvl="0"/>
             <a:r>
-              <a:rPr lang="ru-RU" smtClean="0"/>
+              <a:rPr lang="ru-RU"/>
               <a:t>Образец текста</a:t>
             </a:r>
           </a:p>
           <a:p>
             <a:pPr lvl="1"/>
             <a:r>
-              <a:rPr lang="ru-RU" smtClean="0"/>
+              <a:rPr lang="ru-RU"/>
               <a:t>Второй уровень</a:t>
             </a:r>
           </a:p>
           <a:p>
             <a:pPr lvl="2"/>
             <a:r>
-              <a:rPr lang="ru-RU" smtClean="0"/>
+              <a:rPr lang="ru-RU"/>
               <a:t>Третий уровень</a:t>
             </a:r>
           </a:p>
           <a:p>
             <a:pPr lvl="3"/>
             <a:r>
-              <a:rPr lang="ru-RU" smtClean="0"/>
+              <a:rPr lang="ru-RU"/>
               <a:t>Четвертый уровень</a:t>
             </a:r>
           </a:p>
           <a:p>
             <a:pPr lvl="4"/>
             <a:r>
-              <a:rPr lang="ru-RU" smtClean="0"/>
+              <a:rPr lang="ru-RU"/>
               <a:t>Пятый уровень</a:t>
             </a:r>
             <a:endParaRPr lang="en-US" dirty="0"/>
@@ -1722,13 +1722,6 @@
       </p:transition>
     </mc:Fallback>
   </mc:AlternateContent>
-  <p:timing>
-    <p:tnLst>
-      <p:par>
-        <p:cTn id="1" dur="indefinite" restart="never" nodeType="tmRoot"/>
-      </p:par>
-    </p:tnLst>
-  </p:timing>
 </p:sldLayout>
 </file>
 
@@ -1770,7 +1763,7 @@
           <a:lstStyle/>
           <a:p>
             <a:r>
-              <a:rPr lang="ru-RU" smtClean="0"/>
+              <a:rPr lang="ru-RU"/>
               <a:t>Образец заголовка</a:t>
             </a:r>
             <a:endParaRPr lang="en-US"/>
@@ -1799,35 +1792,35 @@
           <a:p>
             <a:pPr lvl="0"/>
             <a:r>
-              <a:rPr lang="ru-RU" smtClean="0"/>
+              <a:rPr lang="ru-RU"/>
               <a:t>Образец текста</a:t>
             </a:r>
           </a:p>
           <a:p>
             <a:pPr lvl="1"/>
             <a:r>
-              <a:rPr lang="ru-RU" smtClean="0"/>
+              <a:rPr lang="ru-RU"/>
               <a:t>Второй уровень</a:t>
             </a:r>
           </a:p>
           <a:p>
             <a:pPr lvl="2"/>
             <a:r>
-              <a:rPr lang="ru-RU" smtClean="0"/>
+              <a:rPr lang="ru-RU"/>
               <a:t>Третий уровень</a:t>
             </a:r>
           </a:p>
           <a:p>
             <a:pPr lvl="3"/>
             <a:r>
-              <a:rPr lang="ru-RU" smtClean="0"/>
+              <a:rPr lang="ru-RU"/>
               <a:t>Четвертый уровень</a:t>
             </a:r>
           </a:p>
           <a:p>
             <a:pPr lvl="4"/>
             <a:r>
-              <a:rPr lang="ru-RU" smtClean="0"/>
+              <a:rPr lang="ru-RU"/>
               <a:t>Пятый уровень</a:t>
             </a:r>
             <a:endParaRPr lang="en-US" dirty="0"/>
@@ -1915,13 +1908,6 @@
       </p:transition>
     </mc:Fallback>
   </mc:AlternateContent>
-  <p:timing>
-    <p:tnLst>
-      <p:par>
-        <p:cTn id="1" dur="indefinite" restart="never" nodeType="tmRoot"/>
-      </p:par>
-    </p:tnLst>
-  </p:timing>
 </p:sldLayout>
 </file>
 
@@ -1968,7 +1954,7 @@
           <a:p>
             <a:pPr rtl="0"/>
             <a:r>
-              <a:rPr lang="ru-RU" smtClean="0"/>
+              <a:rPr lang="ru-RU"/>
               <a:t>Образец заголовка</a:t>
             </a:r>
             <a:endParaRPr lang="ru-RU" dirty="0"/>
@@ -11038,7 +11024,7 @@
           <a:p>
             <a:pPr lvl="0" rtl="0"/>
             <a:r>
-              <a:rPr lang="ru-RU" smtClean="0"/>
+              <a:rPr lang="ru-RU"/>
               <a:t>Образец текста</a:t>
             </a:r>
           </a:p>
@@ -11094,35 +11080,35 @@
           <a:p>
             <a:pPr lvl="0" rtl="0"/>
             <a:r>
-              <a:rPr lang="ru-RU" smtClean="0"/>
+              <a:rPr lang="ru-RU"/>
               <a:t>Образец текста</a:t>
             </a:r>
           </a:p>
           <a:p>
             <a:pPr lvl="1" rtl="0"/>
             <a:r>
-              <a:rPr lang="ru-RU" smtClean="0"/>
+              <a:rPr lang="ru-RU"/>
               <a:t>Второй уровень</a:t>
             </a:r>
           </a:p>
           <a:p>
             <a:pPr lvl="2" rtl="0"/>
             <a:r>
-              <a:rPr lang="ru-RU" smtClean="0"/>
+              <a:rPr lang="ru-RU"/>
               <a:t>Третий уровень</a:t>
             </a:r>
           </a:p>
           <a:p>
             <a:pPr lvl="3" rtl="0"/>
             <a:r>
-              <a:rPr lang="ru-RU" smtClean="0"/>
+              <a:rPr lang="ru-RU"/>
               <a:t>Четвертый уровень</a:t>
             </a:r>
           </a:p>
           <a:p>
             <a:pPr lvl="4" rtl="0"/>
             <a:r>
-              <a:rPr lang="ru-RU" smtClean="0"/>
+              <a:rPr lang="ru-RU"/>
               <a:t>Пятый уровень</a:t>
             </a:r>
             <a:endParaRPr lang="ru-RU" dirty="0"/>
@@ -11191,7 +11177,7 @@
           <a:p>
             <a:pPr lvl="0" rtl="0"/>
             <a:r>
-              <a:rPr lang="ru-RU" smtClean="0"/>
+              <a:rPr lang="ru-RU"/>
               <a:t>Образец текста</a:t>
             </a:r>
           </a:p>
@@ -11311,35 +11297,35 @@
           <a:p>
             <a:pPr lvl="0" rtl="0"/>
             <a:r>
-              <a:rPr lang="ru-RU" smtClean="0"/>
+              <a:rPr lang="ru-RU"/>
               <a:t>Образец текста</a:t>
             </a:r>
           </a:p>
           <a:p>
             <a:pPr lvl="1" rtl="0"/>
             <a:r>
-              <a:rPr lang="ru-RU" smtClean="0"/>
+              <a:rPr lang="ru-RU"/>
               <a:t>Второй уровень</a:t>
             </a:r>
           </a:p>
           <a:p>
             <a:pPr lvl="2" rtl="0"/>
             <a:r>
-              <a:rPr lang="ru-RU" smtClean="0"/>
+              <a:rPr lang="ru-RU"/>
               <a:t>Третий уровень</a:t>
             </a:r>
           </a:p>
           <a:p>
             <a:pPr lvl="3" rtl="0"/>
             <a:r>
-              <a:rPr lang="ru-RU" smtClean="0"/>
+              <a:rPr lang="ru-RU"/>
               <a:t>Четвертый уровень</a:t>
             </a:r>
           </a:p>
           <a:p>
             <a:pPr lvl="4" rtl="0"/>
             <a:r>
-              <a:rPr lang="ru-RU" smtClean="0"/>
+              <a:rPr lang="ru-RU"/>
               <a:t>Пятый уровень</a:t>
             </a:r>
             <a:endParaRPr lang="ru-RU" dirty="0"/>
@@ -11426,35 +11412,35 @@
           <a:p>
             <a:pPr lvl="0"/>
             <a:r>
-              <a:rPr lang="ru-RU" smtClean="0"/>
+              <a:rPr lang="ru-RU"/>
               <a:t>Образец текста</a:t>
             </a:r>
           </a:p>
           <a:p>
             <a:pPr lvl="1"/>
             <a:r>
-              <a:rPr lang="ru-RU" smtClean="0"/>
+              <a:rPr lang="ru-RU"/>
               <a:t>Второй уровень</a:t>
             </a:r>
           </a:p>
           <a:p>
             <a:pPr lvl="2"/>
             <a:r>
-              <a:rPr lang="ru-RU" smtClean="0"/>
+              <a:rPr lang="ru-RU"/>
               <a:t>Третий уровень</a:t>
             </a:r>
           </a:p>
           <a:p>
             <a:pPr lvl="3"/>
             <a:r>
-              <a:rPr lang="ru-RU" smtClean="0"/>
+              <a:rPr lang="ru-RU"/>
               <a:t>Четвертый уровень</a:t>
             </a:r>
           </a:p>
           <a:p>
             <a:pPr lvl="4"/>
             <a:r>
-              <a:rPr lang="ru-RU" smtClean="0"/>
+              <a:rPr lang="ru-RU"/>
               <a:t>Пятый уровень</a:t>
             </a:r>
             <a:endParaRPr lang="en-US" dirty="0"/>
@@ -11477,7 +11463,7 @@
           <a:lstStyle/>
           <a:p>
             <a:r>
-              <a:rPr lang="ru-RU" smtClean="0"/>
+              <a:rPr lang="ru-RU"/>
               <a:t>Образец заголовка</a:t>
             </a:r>
             <a:endParaRPr lang="en-US"/>
@@ -11565,13 +11551,6 @@
       </p:transition>
     </mc:Fallback>
   </mc:AlternateContent>
-  <p:timing>
-    <p:tnLst>
-      <p:par>
-        <p:cTn id="1" dur="indefinite" restart="never" nodeType="tmRoot"/>
-      </p:par>
-    </p:tnLst>
-  </p:timing>
 </p:sldLayout>
 </file>
 
@@ -11716,7 +11695,7 @@
           <a:lstStyle/>
           <a:p>
             <a:r>
-              <a:rPr lang="ru-RU" smtClean="0"/>
+              <a:rPr lang="ru-RU"/>
               <a:t>Образец заголовка</a:t>
             </a:r>
             <a:endParaRPr lang="en-US"/>
@@ -11769,7 +11748,7 @@
           <a:p>
             <a:pPr lvl="0"/>
             <a:r>
-              <a:rPr lang="ru-RU" smtClean="0"/>
+              <a:rPr lang="ru-RU"/>
               <a:t>Образец текста</a:t>
             </a:r>
           </a:p>
@@ -11792,13 +11771,6 @@
       </p:transition>
     </mc:Fallback>
   </mc:AlternateContent>
-  <p:timing>
-    <p:tnLst>
-      <p:par>
-        <p:cTn id="1" dur="indefinite" restart="never" nodeType="tmRoot"/>
-      </p:par>
-    </p:tnLst>
-  </p:timing>
 </p:sldLayout>
 </file>
 
@@ -11871,35 +11843,35 @@
           <a:p>
             <a:pPr lvl="0"/>
             <a:r>
-              <a:rPr lang="ru-RU" smtClean="0"/>
+              <a:rPr lang="ru-RU"/>
               <a:t>Образец текста</a:t>
             </a:r>
           </a:p>
           <a:p>
             <a:pPr lvl="1"/>
             <a:r>
-              <a:rPr lang="ru-RU" smtClean="0"/>
+              <a:rPr lang="ru-RU"/>
               <a:t>Второй уровень</a:t>
             </a:r>
           </a:p>
           <a:p>
             <a:pPr lvl="2"/>
             <a:r>
-              <a:rPr lang="ru-RU" smtClean="0"/>
+              <a:rPr lang="ru-RU"/>
               <a:t>Третий уровень</a:t>
             </a:r>
           </a:p>
           <a:p>
             <a:pPr lvl="3"/>
             <a:r>
-              <a:rPr lang="ru-RU" smtClean="0"/>
+              <a:rPr lang="ru-RU"/>
               <a:t>Четвертый уровень</a:t>
             </a:r>
           </a:p>
           <a:p>
             <a:pPr lvl="4"/>
             <a:r>
-              <a:rPr lang="ru-RU" smtClean="0"/>
+              <a:rPr lang="ru-RU"/>
               <a:t>Пятый уровень</a:t>
             </a:r>
             <a:endParaRPr lang="en-US" dirty="0"/>
@@ -11958,35 +11930,35 @@
           <a:p>
             <a:pPr lvl="0"/>
             <a:r>
-              <a:rPr lang="ru-RU" smtClean="0"/>
+              <a:rPr lang="ru-RU"/>
               <a:t>Образец текста</a:t>
             </a:r>
           </a:p>
           <a:p>
             <a:pPr lvl="1"/>
             <a:r>
-              <a:rPr lang="ru-RU" smtClean="0"/>
+              <a:rPr lang="ru-RU"/>
               <a:t>Второй уровень</a:t>
             </a:r>
           </a:p>
           <a:p>
             <a:pPr lvl="2"/>
             <a:r>
-              <a:rPr lang="ru-RU" smtClean="0"/>
+              <a:rPr lang="ru-RU"/>
               <a:t>Третий уровень</a:t>
             </a:r>
           </a:p>
           <a:p>
             <a:pPr lvl="3"/>
             <a:r>
-              <a:rPr lang="ru-RU" smtClean="0"/>
+              <a:rPr lang="ru-RU"/>
               <a:t>Четвертый уровень</a:t>
             </a:r>
           </a:p>
           <a:p>
             <a:pPr lvl="4"/>
             <a:r>
-              <a:rPr lang="ru-RU" smtClean="0"/>
+              <a:rPr lang="ru-RU"/>
               <a:t>Пятый уровень</a:t>
             </a:r>
             <a:endParaRPr lang="en-US" dirty="0"/>
@@ -12014,7 +11986,7 @@
           <a:lstStyle/>
           <a:p>
             <a:r>
-              <a:rPr lang="ru-RU" smtClean="0"/>
+              <a:rPr lang="ru-RU"/>
               <a:t>Образец заголовка</a:t>
             </a:r>
             <a:endParaRPr lang="en-US"/>
@@ -12091,13 +12063,6 @@
   <p:clrMapOvr>
     <a:masterClrMapping/>
   </p:clrMapOvr>
-  <p:timing>
-    <p:tnLst>
-      <p:par>
-        <p:cTn id="1" dur="indefinite" restart="never" nodeType="tmRoot"/>
-      </p:par>
-    </p:tnLst>
-  </p:timing>
   <p:hf hdr="0" dt="0"/>
 </p:sldLayout>
 </file>
@@ -12184,7 +12149,7 @@
           <a:p>
             <a:pPr lvl="0"/>
             <a:r>
-              <a:rPr lang="ru-RU" smtClean="0"/>
+              <a:rPr lang="ru-RU"/>
               <a:t>Образец текста</a:t>
             </a:r>
           </a:p>
@@ -12246,38 +12211,38 @@
           <a:p>
             <a:pPr lvl="0"/>
             <a:r>
-              <a:rPr lang="ru-RU" smtClean="0"/>
+              <a:rPr lang="ru-RU"/>
               <a:t>Образец текста</a:t>
             </a:r>
           </a:p>
           <a:p>
             <a:pPr lvl="1"/>
             <a:r>
-              <a:rPr lang="ru-RU" smtClean="0"/>
+              <a:rPr lang="ru-RU"/>
               <a:t>Второй уровень</a:t>
             </a:r>
           </a:p>
           <a:p>
             <a:pPr lvl="2"/>
             <a:r>
-              <a:rPr lang="ru-RU" smtClean="0"/>
+              <a:rPr lang="ru-RU"/>
               <a:t>Третий уровень</a:t>
             </a:r>
           </a:p>
           <a:p>
             <a:pPr lvl="3"/>
             <a:r>
-              <a:rPr lang="ru-RU" smtClean="0"/>
+              <a:rPr lang="ru-RU"/>
               <a:t>Четвертый уровень</a:t>
             </a:r>
           </a:p>
           <a:p>
             <a:pPr lvl="4"/>
             <a:r>
-              <a:rPr lang="ru-RU" smtClean="0"/>
+              <a:rPr lang="ru-RU"/>
               <a:t>Пятый уровень</a:t>
             </a:r>
-            <a:endParaRPr lang="en-US" dirty="0" smtClean="0"/>
+            <a:endParaRPr lang="en-US" dirty="0"/>
           </a:p>
         </p:txBody>
       </p:sp>
@@ -12346,7 +12311,7 @@
           <a:p>
             <a:pPr lvl="0"/>
             <a:r>
-              <a:rPr lang="ru-RU" smtClean="0"/>
+              <a:rPr lang="ru-RU"/>
               <a:t>Образец текста</a:t>
             </a:r>
           </a:p>
@@ -12404,38 +12369,38 @@
           <a:p>
             <a:pPr lvl="0"/>
             <a:r>
-              <a:rPr lang="ru-RU" smtClean="0"/>
+              <a:rPr lang="ru-RU"/>
               <a:t>Образец текста</a:t>
             </a:r>
           </a:p>
           <a:p>
             <a:pPr lvl="1"/>
             <a:r>
-              <a:rPr lang="ru-RU" smtClean="0"/>
+              <a:rPr lang="ru-RU"/>
               <a:t>Второй уровень</a:t>
             </a:r>
           </a:p>
           <a:p>
             <a:pPr lvl="2"/>
             <a:r>
-              <a:rPr lang="ru-RU" smtClean="0"/>
+              <a:rPr lang="ru-RU"/>
               <a:t>Третий уровень</a:t>
             </a:r>
           </a:p>
           <a:p>
             <a:pPr lvl="3"/>
             <a:r>
-              <a:rPr lang="ru-RU" smtClean="0"/>
+              <a:rPr lang="ru-RU"/>
               <a:t>Четвертый уровень</a:t>
             </a:r>
           </a:p>
           <a:p>
             <a:pPr lvl="4"/>
             <a:r>
-              <a:rPr lang="ru-RU" smtClean="0"/>
+              <a:rPr lang="ru-RU"/>
               <a:t>Пятый уровень</a:t>
             </a:r>
-            <a:endParaRPr lang="en-US" dirty="0" smtClean="0"/>
+            <a:endParaRPr lang="en-US" dirty="0"/>
           </a:p>
         </p:txBody>
       </p:sp>
@@ -12460,7 +12425,7 @@
           <a:lstStyle/>
           <a:p>
             <a:r>
-              <a:rPr lang="ru-RU" smtClean="0"/>
+              <a:rPr lang="ru-RU"/>
               <a:t>Образец заголовка</a:t>
             </a:r>
             <a:endParaRPr lang="en-US"/>
@@ -12548,13 +12513,6 @@
       </p:transition>
     </mc:Fallback>
   </mc:AlternateContent>
-  <p:timing>
-    <p:tnLst>
-      <p:par>
-        <p:cTn id="1" dur="indefinite" restart="never" nodeType="tmRoot"/>
-      </p:par>
-    </p:tnLst>
-  </p:timing>
 </p:sldLayout>
 </file>
 
@@ -12596,7 +12554,7 @@
           <a:lstStyle/>
           <a:p>
             <a:r>
-              <a:rPr lang="ru-RU" smtClean="0"/>
+              <a:rPr lang="ru-RU"/>
               <a:t>Образец заголовка</a:t>
             </a:r>
             <a:endParaRPr lang="en-US" dirty="0"/>
@@ -12684,13 +12642,6 @@
       </p:transition>
     </mc:Fallback>
   </mc:AlternateContent>
-  <p:timing>
-    <p:tnLst>
-      <p:par>
-        <p:cTn id="1" dur="indefinite" restart="never" nodeType="tmRoot"/>
-      </p:par>
-    </p:tnLst>
-  </p:timing>
 </p:sldLayout>
 </file>
 
@@ -12792,13 +12743,6 @@
       </p:transition>
     </mc:Fallback>
   </mc:AlternateContent>
-  <p:timing>
-    <p:tnLst>
-      <p:par>
-        <p:cTn id="1" dur="indefinite" restart="never" nodeType="tmRoot"/>
-      </p:par>
-    </p:tnLst>
-  </p:timing>
 </p:sldLayout>
 </file>
 
@@ -12848,7 +12792,7 @@
           </a:lstStyle>
           <a:p>
             <a:r>
-              <a:rPr lang="ru-RU" smtClean="0"/>
+              <a:rPr lang="ru-RU"/>
               <a:t>Образец заголовка</a:t>
             </a:r>
             <a:endParaRPr lang="en-US" dirty="0"/>
@@ -12907,38 +12851,38 @@
           <a:p>
             <a:pPr lvl="0"/>
             <a:r>
-              <a:rPr lang="ru-RU" smtClean="0"/>
+              <a:rPr lang="ru-RU"/>
               <a:t>Образец текста</a:t>
             </a:r>
           </a:p>
           <a:p>
             <a:pPr lvl="1"/>
             <a:r>
-              <a:rPr lang="ru-RU" smtClean="0"/>
+              <a:rPr lang="ru-RU"/>
               <a:t>Второй уровень</a:t>
             </a:r>
           </a:p>
           <a:p>
             <a:pPr lvl="2"/>
             <a:r>
-              <a:rPr lang="ru-RU" smtClean="0"/>
+              <a:rPr lang="ru-RU"/>
               <a:t>Третий уровень</a:t>
             </a:r>
           </a:p>
           <a:p>
             <a:pPr lvl="3"/>
             <a:r>
-              <a:rPr lang="ru-RU" smtClean="0"/>
+              <a:rPr lang="ru-RU"/>
               <a:t>Четвертый уровень</a:t>
             </a:r>
           </a:p>
           <a:p>
             <a:pPr lvl="4"/>
             <a:r>
-              <a:rPr lang="ru-RU" smtClean="0"/>
+              <a:rPr lang="ru-RU"/>
               <a:t>Пятый уровень</a:t>
             </a:r>
-            <a:endParaRPr lang="en-US" dirty="0" smtClean="0"/>
+            <a:endParaRPr lang="en-US" dirty="0"/>
           </a:p>
         </p:txBody>
       </p:sp>
@@ -13007,7 +12951,7 @@
           <a:p>
             <a:pPr lvl="0"/>
             <a:r>
-              <a:rPr lang="ru-RU" smtClean="0"/>
+              <a:rPr lang="ru-RU"/>
               <a:t>Образец текста</a:t>
             </a:r>
           </a:p>
@@ -13094,13 +13038,6 @@
       </p:transition>
     </mc:Fallback>
   </mc:AlternateContent>
-  <p:timing>
-    <p:tnLst>
-      <p:par>
-        <p:cTn id="1" dur="indefinite" restart="never" nodeType="tmRoot"/>
-      </p:par>
-    </p:tnLst>
-  </p:timing>
 </p:sldLayout>
 </file>
 
@@ -13179,7 +13116,7 @@
           </a:lstStyle>
           <a:p>
             <a:r>
-              <a:rPr lang="ru-RU" smtClean="0"/>
+              <a:rPr lang="ru-RU"/>
               <a:t>Вставка рисунка</a:t>
             </a:r>
             <a:endParaRPr lang="en-US"/>
@@ -13215,7 +13152,7 @@
           </a:lstStyle>
           <a:p>
             <a:r>
-              <a:rPr lang="ru-RU" smtClean="0"/>
+              <a:rPr lang="ru-RU"/>
               <a:t>Образец заголовка</a:t>
             </a:r>
             <a:endParaRPr lang="en-US" dirty="0"/>
@@ -13287,7 +13224,7 @@
           <a:p>
             <a:pPr lvl="0"/>
             <a:r>
-              <a:rPr lang="ru-RU" smtClean="0"/>
+              <a:rPr lang="ru-RU"/>
               <a:t>Образец текста</a:t>
             </a:r>
           </a:p>
@@ -13374,13 +13311,6 @@
       </p:transition>
     </mc:Fallback>
   </mc:AlternateContent>
-  <p:timing>
-    <p:tnLst>
-      <p:par>
-        <p:cTn id="1" dur="indefinite" restart="never" nodeType="tmRoot"/>
-      </p:par>
-    </p:tnLst>
-  </p:timing>
 </p:sldLayout>
 </file>
 
@@ -13456,7 +13386,7 @@
           <a:lstStyle/>
           <a:p>
             <a:r>
-              <a:rPr lang="ru-RU" smtClean="0"/>
+              <a:rPr lang="ru-RU"/>
               <a:t>Образец заголовка</a:t>
             </a:r>
             <a:endParaRPr lang="en-US" dirty="0"/>
@@ -13490,35 +13420,35 @@
           <a:p>
             <a:pPr lvl="0"/>
             <a:r>
-              <a:rPr lang="ru-RU" smtClean="0"/>
+              <a:rPr lang="ru-RU"/>
               <a:t>Образец текста</a:t>
             </a:r>
           </a:p>
           <a:p>
             <a:pPr lvl="1"/>
             <a:r>
-              <a:rPr lang="ru-RU" smtClean="0"/>
+              <a:rPr lang="ru-RU"/>
               <a:t>Второй уровень</a:t>
             </a:r>
           </a:p>
           <a:p>
             <a:pPr lvl="2"/>
             <a:r>
-              <a:rPr lang="ru-RU" smtClean="0"/>
+              <a:rPr lang="ru-RU"/>
               <a:t>Третий уровень</a:t>
             </a:r>
           </a:p>
           <a:p>
             <a:pPr lvl="3"/>
             <a:r>
-              <a:rPr lang="ru-RU" smtClean="0"/>
+              <a:rPr lang="ru-RU"/>
               <a:t>Четвертый уровень</a:t>
             </a:r>
           </a:p>
           <a:p>
             <a:pPr lvl="4"/>
             <a:r>
-              <a:rPr lang="ru-RU" smtClean="0"/>
+              <a:rPr lang="ru-RU"/>
               <a:t>Пятый уровень</a:t>
             </a:r>
             <a:endParaRPr lang="en-US" dirty="0"/>
@@ -13673,13 +13603,6 @@
       </p:transition>
     </mc:Fallback>
   </mc:AlternateContent>
-  <p:timing>
-    <p:tnLst>
-      <p:par>
-        <p:cTn id="1" dur="indefinite" restart="never" nodeType="tmRoot"/>
-      </p:par>
-    </p:tnLst>
-  </p:timing>
   <p:hf hdr="0" dt="0"/>
   <p:txStyles>
     <p:titleStyle>
@@ -14054,14 +13977,9 @@
               </a:lnSpc>
             </a:pPr>
             <a:r>
-              <a:rPr lang="ru-RU" sz="1800" dirty="0" smtClean="0"/>
-              <a:t>Выполнил студент </a:t>
+              <a:rPr lang="ru-RU" sz="1800" dirty="0"/>
+              <a:t>Выполнил студент группы ИКБО-06-17 </a:t>
             </a:r>
-            <a:r>
-              <a:rPr lang="ru-RU" sz="1800" dirty="0"/>
-              <a:t>группы ИКБО-06-17 </a:t>
-            </a:r>
-            <a:endParaRPr lang="ru-RU" sz="1800" dirty="0" smtClean="0"/>
           </a:p>
           <a:p>
             <a:pPr algn="ctr">
@@ -14078,23 +13996,19 @@
               </a:lnSpc>
             </a:pPr>
             <a:r>
-              <a:rPr lang="ru-RU" sz="1800" dirty="0" smtClean="0"/>
+              <a:rPr lang="ru-RU" sz="1800" dirty="0"/>
               <a:t> </a:t>
             </a:r>
             <a:r>
-              <a:rPr lang="ru-RU" sz="1800" dirty="0" err="1" smtClean="0"/>
+              <a:rPr lang="ru-RU" sz="1800" dirty="0" err="1"/>
               <a:t>Янгуразов</a:t>
             </a:r>
             <a:r>
-              <a:rPr lang="ru-RU" sz="1800" dirty="0" smtClean="0"/>
-              <a:t> </a:t>
+              <a:rPr lang="ru-RU" sz="1800" dirty="0"/>
+              <a:t> Рашид </a:t>
             </a:r>
             <a:r>
-              <a:rPr lang="ru-RU" sz="1800" dirty="0"/>
-              <a:t>Рашид </a:t>
-            </a:r>
-            <a:r>
-              <a:rPr lang="ru-RU" sz="1800" dirty="0" err="1" smtClean="0"/>
+              <a:rPr lang="ru-RU" sz="1800" dirty="0" err="1"/>
               <a:t>Алиевич</a:t>
             </a:r>
             <a:endParaRPr lang="ru-RU" sz="1800" dirty="0"/>
@@ -14125,7 +14039,7 @@
           <a:p>
             <a:pPr algn="l"/>
             <a:r>
-              <a:rPr lang="ru-RU" sz="2400" dirty="0" smtClean="0">
+              <a:rPr lang="ru-RU" sz="2400" dirty="0">
                 <a:effectLst>
                   <a:outerShdw blurRad="38100" dist="38100" dir="2700000" algn="tl">
                     <a:srgbClr val="000000">
@@ -14138,7 +14052,19 @@
               <a:t>Курсовая работа на тему:</a:t>
             </a:r>
             <a:br>
-              <a:rPr lang="ru-RU" sz="2400" dirty="0" smtClean="0">
+              <a:rPr lang="ru-RU" sz="2400" dirty="0">
+                <a:effectLst>
+                  <a:outerShdw blurRad="38100" dist="38100" dir="2700000" algn="tl">
+                    <a:srgbClr val="000000">
+                      <a:alpha val="43137"/>
+                    </a:srgbClr>
+                  </a:outerShdw>
+                </a:effectLst>
+                <a:latin typeface="Arial Black" pitchFamily="34" charset="0"/>
+              </a:rPr>
+            </a:br>
+            <a:br>
+              <a:rPr lang="ru-RU" sz="2400" dirty="0">
                 <a:effectLst>
                   <a:outerShdw blurRad="38100" dist="38100" dir="2700000" algn="tl">
                     <a:srgbClr val="000000">
@@ -14150,32 +14076,7 @@
               </a:rPr>
             </a:br>
             <a:r>
-              <a:rPr lang="ru-RU" sz="2400" dirty="0" smtClean="0">
-                <a:effectLst>
-                  <a:outerShdw blurRad="38100" dist="38100" dir="2700000" algn="tl">
-                    <a:srgbClr val="000000">
-                      <a:alpha val="43137"/>
-                    </a:srgbClr>
-                  </a:outerShdw>
-                </a:effectLst>
-                <a:latin typeface="Arial Black" pitchFamily="34" charset="0"/>
-              </a:rPr>
-              <a:t/>
-            </a:r>
-            <a:br>
-              <a:rPr lang="ru-RU" sz="2400" dirty="0" smtClean="0">
-                <a:effectLst>
-                  <a:outerShdw blurRad="38100" dist="38100" dir="2700000" algn="tl">
-                    <a:srgbClr val="000000">
-                      <a:alpha val="43137"/>
-                    </a:srgbClr>
-                  </a:outerShdw>
-                </a:effectLst>
-                <a:latin typeface="Arial Black" pitchFamily="34" charset="0"/>
-              </a:rPr>
-            </a:br>
-            <a:r>
-              <a:rPr lang="ru-RU" sz="2400" dirty="0" smtClean="0">
+              <a:rPr lang="ru-RU" sz="2400" dirty="0">
                 <a:effectLst>
                   <a:outerShdw blurRad="38100" dist="38100" dir="2700000" algn="tl">
                     <a:srgbClr val="000000">
@@ -14192,7 +14093,7 @@
               <a:t>Программное обеспечение для вычисления кратчайшего расстояния между двумя обозначенными вершинами в графе </a:t>
             </a:r>
             <a:r>
-              <a:rPr lang="ru-RU" sz="2400" b="1" dirty="0" smtClean="0">
+              <a:rPr lang="ru-RU" sz="2400" b="1" dirty="0">
                 <a:effectLst>
                   <a:outerShdw blurRad="38100" dist="38100" dir="2700000" algn="tl">
                     <a:srgbClr val="000000">
@@ -14432,50 +14333,49 @@
           <a:p>
             <a:pPr algn="ctr"/>
             <a:r>
-              <a:rPr lang="ru-RU" sz="1200" dirty="0" smtClean="0"/>
+              <a:rPr lang="ru-RU" sz="1200" dirty="0"/>
               <a:t>Федеральное государственное бюджетное образовательное учреждение</a:t>
             </a:r>
             <a:br>
-              <a:rPr lang="ru-RU" sz="1200" dirty="0" smtClean="0"/>
+              <a:rPr lang="ru-RU" sz="1200" dirty="0"/>
             </a:br>
             <a:r>
-              <a:rPr lang="ru-RU" sz="1200" dirty="0" smtClean="0"/>
+              <a:rPr lang="ru-RU" sz="1200" dirty="0"/>
               <a:t>высшего образования</a:t>
             </a:r>
             <a:br>
-              <a:rPr lang="ru-RU" sz="1200" dirty="0" smtClean="0"/>
+              <a:rPr lang="ru-RU" sz="1200" dirty="0"/>
             </a:br>
             <a:r>
-              <a:rPr lang="ru-RU" sz="1200" dirty="0" smtClean="0"/>
+              <a:rPr lang="ru-RU" sz="1200" dirty="0"/>
               <a:t>«МИРЭА – Российский технологический университет»</a:t>
             </a:r>
-            <a:endParaRPr lang="ru-RU" sz="1200" i="1" dirty="0" smtClean="0"/>
+            <a:endParaRPr lang="ru-RU" sz="1200" i="1" dirty="0"/>
           </a:p>
           <a:p>
             <a:pPr algn="ctr"/>
             <a:r>
-              <a:rPr lang="ru-RU" sz="1200" dirty="0" smtClean="0"/>
+              <a:rPr lang="ru-RU" sz="1200" dirty="0"/>
               <a:t>РТУ МИРЭА</a:t>
             </a:r>
           </a:p>
           <a:p>
             <a:pPr algn="ctr"/>
-            <a:endParaRPr lang="ru-RU" sz="1200" dirty="0" smtClean="0"/>
+            <a:endParaRPr lang="ru-RU" sz="1200" dirty="0"/>
           </a:p>
           <a:p>
             <a:pPr algn="ctr"/>
             <a:r>
-              <a:rPr lang="ru-RU" sz="1200" dirty="0" smtClean="0"/>
+              <a:rPr lang="ru-RU" sz="1200" dirty="0"/>
               <a:t> Институт информационных технологий (ИИТ)</a:t>
             </a:r>
           </a:p>
           <a:p>
             <a:pPr algn="ctr"/>
             <a:r>
-              <a:rPr lang="ru-RU" sz="1200" dirty="0" smtClean="0"/>
+              <a:rPr lang="ru-RU" sz="1200" dirty="0"/>
               <a:t>Кафедра практической и прикладной информатики (ППИ)</a:t>
             </a:r>
-            <a:endParaRPr lang="ru-RU" sz="1200" dirty="0"/>
           </a:p>
         </p:txBody>
       </p:sp>
@@ -14500,10 +14400,6 @@
           </a:bodyPr>
           <a:lstStyle/>
           <a:p>
-            <a:r>
-              <a:rPr lang="ru-RU" b="1" dirty="0"/>
-              <a:t/>
-            </a:r>
             <a:br>
               <a:rPr lang="ru-RU" b="1" dirty="0"/>
             </a:br>
@@ -14553,29 +14449,24 @@
           </a:lstStyle>
           <a:p>
             <a:r>
-              <a:rPr lang="ru-RU" sz="2800" dirty="0" smtClean="0"/>
+              <a:rPr lang="ru-RU" sz="2800" dirty="0"/>
               <a:t>Дисциплина:</a:t>
             </a:r>
             <a:r>
-              <a:rPr lang="en-US" sz="2800" dirty="0" smtClean="0"/>
+              <a:rPr lang="en-US" sz="2800" dirty="0"/>
               <a:t> </a:t>
             </a:r>
-            <a:endParaRPr lang="ru-RU" sz="2800" dirty="0" smtClean="0"/>
+            <a:endParaRPr lang="ru-RU" sz="2800" dirty="0"/>
           </a:p>
           <a:p>
             <a:r>
-              <a:rPr lang="ru-RU" sz="2800" dirty="0" smtClean="0"/>
+              <a:rPr lang="ru-RU" sz="2800" dirty="0"/>
               <a:t>«Структуры и Алгоритмы обработки данных»</a:t>
             </a:r>
-            <a:endParaRPr lang="ru-RU" sz="2800" dirty="0"/>
-          </a:p>
-          <a:p>
-            <a:r>
-              <a:rPr lang="ru-RU" sz="2800" b="1" dirty="0" smtClean="0"/>
-              <a:t/>
-            </a:r>
+          </a:p>
+          <a:p>
             <a:br>
-              <a:rPr lang="ru-RU" sz="2800" b="1" dirty="0" smtClean="0"/>
+              <a:rPr lang="ru-RU" sz="2800" b="1" dirty="0"/>
             </a:br>
             <a:endParaRPr lang="ru-RU" sz="2800" dirty="0"/>
           </a:p>
@@ -14690,13 +14581,6 @@
       </p:transition>
     </mc:Fallback>
   </mc:AlternateContent>
-  <p:timing>
-    <p:tnLst>
-      <p:par>
-        <p:cTn id="1" dur="indefinite" restart="never" nodeType="tmRoot"/>
-      </p:par>
-    </p:tnLst>
-  </p:timing>
 </p:sld>
 </file>
 
@@ -14947,7 +14831,7 @@
           </a:lstStyle>
           <a:p>
             <a:r>
-              <a:rPr lang="ru-RU" sz="5400" b="1" dirty="0" smtClean="0">
+              <a:rPr lang="ru-RU" sz="5400" b="1" dirty="0">
                 <a:ln w="12700">
                   <a:solidFill>
                     <a:schemeClr val="tx2">
@@ -14970,10 +14854,10 @@
                   </a:outerShdw>
                 </a:effectLst>
               </a:rPr>
-              <a:t>Графический интерфейс стал </a:t>
+              <a:t>Графический интерфейс стал возможным благодаря классу </a:t>
             </a:r>
             <a:r>
-              <a:rPr lang="ru-RU" sz="5400" b="1" dirty="0" smtClean="0">
+              <a:rPr lang="en-US" sz="5400" b="1" dirty="0">
                 <a:ln w="12700">
                   <a:solidFill>
                     <a:schemeClr val="tx2">
@@ -14996,33 +14880,7 @@
                   </a:outerShdw>
                 </a:effectLst>
               </a:rPr>
-              <a:t>возможным </a:t>
-            </a:r>
-            <a:r>
-              <a:rPr lang="ru-RU" sz="5400" b="1" dirty="0" smtClean="0">
-                <a:ln w="12700">
-                  <a:solidFill>
-                    <a:schemeClr val="tx2">
-                      <a:satMod val="155000"/>
-                    </a:schemeClr>
-                  </a:solidFill>
-                  <a:prstDash val="solid"/>
-                </a:ln>
-                <a:solidFill>
-                  <a:schemeClr val="bg2">
-                    <a:tint val="85000"/>
-                    <a:satMod val="155000"/>
-                  </a:schemeClr>
-                </a:solidFill>
-                <a:effectLst>
-                  <a:outerShdw blurRad="41275" dist="20320" dir="1800000" algn="tl" rotWithShape="0">
-                    <a:srgbClr val="000000">
-                      <a:alpha val="40000"/>
-                    </a:srgbClr>
-                  </a:outerShdw>
-                </a:effectLst>
-              </a:rPr>
-              <a:t>благодаря класс</a:t>
+              <a:t>GUI</a:t>
             </a:r>
             <a:r>
               <a:rPr lang="ru-RU" sz="5400" b="1" dirty="0">
@@ -15048,135 +14906,8 @@
                   </a:outerShdw>
                 </a:effectLst>
               </a:rPr>
-              <a:t>у</a:t>
+              <a:t>, также реализованному самостоятельно.</a:t>
             </a:r>
-            <a:r>
-              <a:rPr lang="ru-RU" sz="5400" b="1" dirty="0" smtClean="0">
-                <a:ln w="12700">
-                  <a:solidFill>
-                    <a:schemeClr val="tx2">
-                      <a:satMod val="155000"/>
-                    </a:schemeClr>
-                  </a:solidFill>
-                  <a:prstDash val="solid"/>
-                </a:ln>
-                <a:solidFill>
-                  <a:schemeClr val="bg2">
-                    <a:tint val="85000"/>
-                    <a:satMod val="155000"/>
-                  </a:schemeClr>
-                </a:solidFill>
-                <a:effectLst>
-                  <a:outerShdw blurRad="41275" dist="20320" dir="1800000" algn="tl" rotWithShape="0">
-                    <a:srgbClr val="000000">
-                      <a:alpha val="40000"/>
-                    </a:srgbClr>
-                  </a:outerShdw>
-                </a:effectLst>
-              </a:rPr>
-              <a:t> </a:t>
-            </a:r>
-            <a:r>
-              <a:rPr lang="en-US" sz="5400" b="1" dirty="0" smtClean="0">
-                <a:ln w="12700">
-                  <a:solidFill>
-                    <a:schemeClr val="tx2">
-                      <a:satMod val="155000"/>
-                    </a:schemeClr>
-                  </a:solidFill>
-                  <a:prstDash val="solid"/>
-                </a:ln>
-                <a:solidFill>
-                  <a:schemeClr val="bg2">
-                    <a:tint val="85000"/>
-                    <a:satMod val="155000"/>
-                  </a:schemeClr>
-                </a:solidFill>
-                <a:effectLst>
-                  <a:outerShdw blurRad="41275" dist="20320" dir="1800000" algn="tl" rotWithShape="0">
-                    <a:srgbClr val="000000">
-                      <a:alpha val="40000"/>
-                    </a:srgbClr>
-                  </a:outerShdw>
-                </a:effectLst>
-              </a:rPr>
-              <a:t>GUI</a:t>
-            </a:r>
-            <a:r>
-              <a:rPr lang="ru-RU" sz="5400" b="1" dirty="0" smtClean="0">
-                <a:ln w="12700">
-                  <a:solidFill>
-                    <a:schemeClr val="tx2">
-                      <a:satMod val="155000"/>
-                    </a:schemeClr>
-                  </a:solidFill>
-                  <a:prstDash val="solid"/>
-                </a:ln>
-                <a:solidFill>
-                  <a:schemeClr val="bg2">
-                    <a:tint val="85000"/>
-                    <a:satMod val="155000"/>
-                  </a:schemeClr>
-                </a:solidFill>
-                <a:effectLst>
-                  <a:outerShdw blurRad="41275" dist="20320" dir="1800000" algn="tl" rotWithShape="0">
-                    <a:srgbClr val="000000">
-                      <a:alpha val="40000"/>
-                    </a:srgbClr>
-                  </a:outerShdw>
-                </a:effectLst>
-              </a:rPr>
-              <a:t>, также реализованному самостоятельно</a:t>
-            </a:r>
-            <a:r>
-              <a:rPr lang="ru-RU" sz="5400" b="1" dirty="0" smtClean="0">
-                <a:ln w="12700">
-                  <a:solidFill>
-                    <a:schemeClr val="tx2">
-                      <a:satMod val="155000"/>
-                    </a:schemeClr>
-                  </a:solidFill>
-                  <a:prstDash val="solid"/>
-                </a:ln>
-                <a:solidFill>
-                  <a:schemeClr val="bg2">
-                    <a:tint val="85000"/>
-                    <a:satMod val="155000"/>
-                  </a:schemeClr>
-                </a:solidFill>
-                <a:effectLst>
-                  <a:outerShdw blurRad="41275" dist="20320" dir="1800000" algn="tl" rotWithShape="0">
-                    <a:srgbClr val="000000">
-                      <a:alpha val="40000"/>
-                    </a:srgbClr>
-                  </a:outerShdw>
-                </a:effectLst>
-              </a:rPr>
-              <a:t>.</a:t>
-            </a:r>
-            <a:endParaRPr lang="ru-RU" sz="5400" b="1" dirty="0" smtClean="0">
-              <a:ln w="12700">
-                <a:solidFill>
-                  <a:schemeClr val="tx2">
-                    <a:satMod val="155000"/>
-                  </a:schemeClr>
-                </a:solidFill>
-                <a:prstDash val="solid"/>
-              </a:ln>
-              <a:solidFill>
-                <a:schemeClr val="bg2">
-                  <a:tint val="85000"/>
-                  <a:satMod val="155000"/>
-                </a:schemeClr>
-              </a:solidFill>
-              <a:effectLst>
-                <a:outerShdw blurRad="41275" dist="20320" dir="1800000" algn="tl" rotWithShape="0">
-                  <a:srgbClr val="000000">
-                    <a:alpha val="40000"/>
-                  </a:srgbClr>
-                </a:outerShdw>
-              </a:effectLst>
-            </a:endParaRPr>
           </a:p>
         </p:txBody>
       </p:sp>
@@ -15359,7 +15090,7 @@
           <a:lstStyle/>
           <a:p>
             <a:r>
-              <a:rPr lang="ru-RU" sz="6000" b="1" dirty="0" smtClean="0">
+              <a:rPr lang="ru-RU" sz="6000" b="1" dirty="0">
                 <a:ln w="12700">
                   <a:solidFill>
                     <a:schemeClr val="tx2">
@@ -15384,29 +15115,6 @@
               </a:rPr>
               <a:t>Пример правильно вычисленного кратчайшего расстояния</a:t>
             </a:r>
-            <a:endParaRPr lang="ru-RU" sz="6000" b="1" dirty="0">
-              <a:ln w="12700">
-                <a:solidFill>
-                  <a:schemeClr val="tx2">
-                    <a:satMod val="155000"/>
-                  </a:schemeClr>
-                </a:solidFill>
-                <a:prstDash val="solid"/>
-              </a:ln>
-              <a:solidFill>
-                <a:schemeClr val="bg2">
-                  <a:tint val="85000"/>
-                  <a:satMod val="155000"/>
-                </a:schemeClr>
-              </a:solidFill>
-              <a:effectLst>
-                <a:outerShdw blurRad="41275" dist="20320" dir="1800000" algn="tl" rotWithShape="0">
-                  <a:srgbClr val="000000">
-                    <a:alpha val="40000"/>
-                  </a:srgbClr>
-                </a:outerShdw>
-              </a:effectLst>
-            </a:endParaRPr>
           </a:p>
         </p:txBody>
       </p:sp>
@@ -15576,10 +15284,9 @@
           <a:lstStyle/>
           <a:p>
             <a:r>
-              <a:rPr lang="ru-RU" sz="4800" dirty="0" smtClean="0"/>
+              <a:rPr lang="ru-RU" sz="4800" dirty="0"/>
               <a:t>Цель курсовой работы</a:t>
             </a:r>
-            <a:endParaRPr lang="ru-RU" sz="4800" dirty="0"/>
           </a:p>
         </p:txBody>
       </p:sp>
@@ -15629,13 +15336,6 @@
       </p:transition>
     </mc:Fallback>
   </mc:AlternateContent>
-  <p:timing>
-    <p:tnLst>
-      <p:par>
-        <p:cTn id="1" dur="indefinite" restart="never" nodeType="tmRoot"/>
-      </p:par>
-    </p:tnLst>
-  </p:timing>
 </p:sld>
 </file>
 
@@ -15683,15 +15383,7 @@
             </a:pPr>
             <a:r>
               <a:rPr lang="ru-RU" sz="2400" dirty="0"/>
-              <a:t>Задача состоит в написании программного обеспечения для вычисления кратчайшего расстояния </a:t>
-            </a:r>
-            <a:r>
-              <a:rPr lang="ru-RU" sz="2400" dirty="0" smtClean="0"/>
-              <a:t>с помощью между </a:t>
-            </a:r>
-            <a:r>
-              <a:rPr lang="ru-RU" sz="2400" dirty="0"/>
-              <a:t>двумя обозначенными вершинами в смешанном графе. Приложение должно представлять из себя окно с графическим интерфейсом, в котором располагаются следующие функциональные части:</a:t>
+              <a:t>Задача состоит в написании программного обеспечения для вычисления кратчайшего расстояния с помощью между двумя обозначенными вершинами в смешанном графе. Приложение должно представлять из себя окно с графическим интерфейсом, в котором располагаются следующие функциональные части:</a:t>
             </a:r>
           </a:p>
           <a:p>
@@ -15764,10 +15456,9 @@
           <a:lstStyle/>
           <a:p>
             <a:r>
-              <a:rPr lang="ru-RU" sz="4800" dirty="0" smtClean="0"/>
+              <a:rPr lang="ru-RU" sz="4800" dirty="0"/>
               <a:t>Постановка задачи</a:t>
             </a:r>
-            <a:endParaRPr lang="ru-RU" sz="4800" dirty="0"/>
           </a:p>
         </p:txBody>
       </p:sp>
@@ -15817,13 +15508,6 @@
       </p:transition>
     </mc:Fallback>
   </mc:AlternateContent>
-  <p:timing>
-    <p:tnLst>
-      <p:par>
-        <p:cTn id="1" dur="indefinite" restart="never" nodeType="tmRoot"/>
-      </p:par>
-    </p:tnLst>
-  </p:timing>
 </p:sld>
 </file>
 
@@ -15885,7 +15569,7 @@
                       <m:dPr>
                         <m:ctrlPr>
                           <a:rPr lang="ru-RU" sz="4800" i="1">
-                            <a:latin typeface="Cambria Math"/>
+                            <a:latin typeface="Cambria Math" panose="02040503050406030204" pitchFamily="18" charset="0"/>
                           </a:rPr>
                         </m:ctrlPr>
                       </m:dPr>
@@ -16004,7 +15688,7 @@
                       <m:sSubPr>
                         <m:ctrlPr>
                           <a:rPr lang="ru-RU" sz="4800" i="1">
-                            <a:latin typeface="Cambria Math"/>
+                            <a:latin typeface="Cambria Math" panose="02040503050406030204" pitchFamily="18" charset="0"/>
                           </a:rPr>
                         </m:ctrlPr>
                       </m:sSubPr>
@@ -16035,7 +15719,7 @@
                       <m:sSubPr>
                         <m:ctrlPr>
                           <a:rPr lang="ru-RU" sz="4800" i="1">
-                            <a:latin typeface="Cambria Math"/>
+                            <a:latin typeface="Cambria Math" panose="02040503050406030204" pitchFamily="18" charset="0"/>
                           </a:rPr>
                         </m:ctrlPr>
                       </m:sSubPr>
@@ -16088,7 +15772,7 @@
                       <m:sSubPr>
                         <m:ctrlPr>
                           <a:rPr lang="ru-RU" sz="4800" i="1">
-                            <a:latin typeface="Cambria Math"/>
+                            <a:latin typeface="Cambria Math" panose="02040503050406030204" pitchFamily="18" charset="0"/>
                           </a:rPr>
                         </m:ctrlPr>
                       </m:sSubPr>
@@ -16121,7 +15805,7 @@
                       <m:sSubPr>
                         <m:ctrlPr>
                           <a:rPr lang="ru-RU" sz="4800" i="1">
-                            <a:latin typeface="Cambria Math"/>
+                            <a:latin typeface="Cambria Math" panose="02040503050406030204" pitchFamily="18" charset="0"/>
                           </a:rPr>
                         </m:ctrlPr>
                       </m:sSubPr>
@@ -16245,7 +15929,7 @@
           <a:lstStyle/>
           <a:p>
             <a:r>
-              <a:rPr lang="ru-RU" sz="6000" b="1" dirty="0" smtClean="0">
+              <a:rPr lang="ru-RU" sz="6000" b="1" dirty="0">
                 <a:ln w="12700">
                   <a:solidFill>
                     <a:schemeClr val="tx2">
@@ -16270,29 +15954,6 @@
               </a:rPr>
               <a:t>Граф как абстрактная математическая единица</a:t>
             </a:r>
-            <a:endParaRPr lang="ru-RU" sz="6000" b="1" dirty="0">
-              <a:ln w="12700">
-                <a:solidFill>
-                  <a:schemeClr val="tx2">
-                    <a:satMod val="155000"/>
-                  </a:schemeClr>
-                </a:solidFill>
-                <a:prstDash val="solid"/>
-              </a:ln>
-              <a:solidFill>
-                <a:schemeClr val="bg2">
-                  <a:tint val="85000"/>
-                  <a:satMod val="155000"/>
-                </a:schemeClr>
-              </a:solidFill>
-              <a:effectLst>
-                <a:outerShdw blurRad="41275" dist="20320" dir="1800000" algn="tl" rotWithShape="0">
-                  <a:srgbClr val="000000">
-                    <a:alpha val="40000"/>
-                  </a:srgbClr>
-                </a:outerShdw>
-              </a:effectLst>
-            </a:endParaRPr>
           </a:p>
         </p:txBody>
       </p:sp>
@@ -16342,13 +16003,6 @@
       </p:transition>
     </mc:Fallback>
   </mc:AlternateContent>
-  <p:timing>
-    <p:tnLst>
-      <p:par>
-        <p:cTn id="1" dur="indefinite" restart="never" nodeType="tmRoot"/>
-      </p:par>
-    </p:tnLst>
-  </p:timing>
 </p:sld>
 </file>
 
@@ -16392,8 +16046,8 @@
           <a:lstStyle/>
           <a:p>
             <a:r>
-              <a:rPr lang="ru-RU" dirty="0" smtClean="0"/>
-              <a:t>Пример графа. Здесь показан пример граф с неориентированными вершинами.</a:t>
+              <a:rPr lang="ru-RU" dirty="0"/>
+              <a:t>Пример графа. Здесь показан пример графа с неориентированными вершинами.</a:t>
             </a:r>
             <a:endParaRPr lang="ru-RU" i="1" dirty="0"/>
           </a:p>
@@ -16481,13 +16135,6 @@
       </p:transition>
     </mc:Fallback>
   </mc:AlternateContent>
-  <p:timing>
-    <p:tnLst>
-      <p:par>
-        <p:cTn id="1" dur="indefinite" restart="never" nodeType="tmRoot"/>
-      </p:par>
-    </p:tnLst>
-  </p:timing>
 </p:sld>
 </file>
 
@@ -16566,7 +16213,7 @@
                       <m:sSubPr>
                         <m:ctrlPr>
                           <a:rPr lang="ru-RU" sz="3200" i="1">
-                            <a:latin typeface="Cambria Math"/>
+                            <a:latin typeface="Cambria Math" panose="02040503050406030204" pitchFamily="18" charset="0"/>
                           </a:rPr>
                         </m:ctrlPr>
                       </m:sSubPr>
@@ -16599,7 +16246,7 @@
                       <m:sSubPr>
                         <m:ctrlPr>
                           <a:rPr lang="ru-RU" sz="3200" i="1">
-                            <a:latin typeface="Cambria Math"/>
+                            <a:latin typeface="Cambria Math" panose="02040503050406030204" pitchFamily="18" charset="0"/>
                           </a:rPr>
                         </m:ctrlPr>
                       </m:sSubPr>
@@ -16632,7 +16279,7 @@
                       <m:sSubPr>
                         <m:ctrlPr>
                           <a:rPr lang="ru-RU" sz="3200" i="1">
-                            <a:latin typeface="Cambria Math"/>
+                            <a:latin typeface="Cambria Math" panose="02040503050406030204" pitchFamily="18" charset="0"/>
                           </a:rPr>
                         </m:ctrlPr>
                       </m:sSubPr>
@@ -16731,7 +16378,7 @@
                       <m:sSupPr>
                         <m:ctrlPr>
                           <a:rPr lang="ru-RU" sz="3200" i="1">
-                            <a:latin typeface="Cambria Math"/>
+                            <a:latin typeface="Cambria Math" panose="02040503050406030204" pitchFamily="18" charset="0"/>
                           </a:rPr>
                         </m:ctrlPr>
                       </m:sSupPr>
@@ -16776,7 +16423,7 @@
                       <m:sSubPr>
                         <m:ctrlPr>
                           <a:rPr lang="ru-RU" sz="3200" i="1">
-                            <a:latin typeface="Cambria Math"/>
+                            <a:latin typeface="Cambria Math" panose="02040503050406030204" pitchFamily="18" charset="0"/>
                           </a:rPr>
                         </m:ctrlPr>
                       </m:sSubPr>
@@ -16807,7 +16454,7 @@
                       <m:sSubPr>
                         <m:ctrlPr>
                           <a:rPr lang="ru-RU" sz="3200" i="1">
-                            <a:latin typeface="Cambria Math"/>
+                            <a:latin typeface="Cambria Math" panose="02040503050406030204" pitchFamily="18" charset="0"/>
                           </a:rPr>
                         </m:ctrlPr>
                       </m:sSubPr>
@@ -16838,7 +16485,7 @@
                       <m:sSubPr>
                         <m:ctrlPr>
                           <a:rPr lang="ru-RU" sz="3200" i="1">
-                            <a:latin typeface="Cambria Math"/>
+                            <a:latin typeface="Cambria Math" panose="02040503050406030204" pitchFamily="18" charset="0"/>
                           </a:rPr>
                         </m:ctrlPr>
                       </m:sSubPr>
@@ -16869,7 +16516,7 @@
                       <m:sSubPr>
                         <m:ctrlPr>
                           <a:rPr lang="ru-RU" sz="3200" i="1">
-                            <a:latin typeface="Cambria Math"/>
+                            <a:latin typeface="Cambria Math" panose="02040503050406030204" pitchFamily="18" charset="0"/>
                           </a:rPr>
                         </m:ctrlPr>
                       </m:sSubPr>
@@ -16902,7 +16549,7 @@
                       <m:sSubPr>
                         <m:ctrlPr>
                           <a:rPr lang="ru-RU" sz="3200" i="1">
-                            <a:latin typeface="Cambria Math"/>
+                            <a:latin typeface="Cambria Math" panose="02040503050406030204" pitchFamily="18" charset="0"/>
                           </a:rPr>
                         </m:ctrlPr>
                       </m:sSubPr>
@@ -16933,7 +16580,7 @@
                       <m:sSubPr>
                         <m:ctrlPr>
                           <a:rPr lang="ru-RU" sz="3200" i="1">
-                            <a:latin typeface="Cambria Math"/>
+                            <a:latin typeface="Cambria Math" panose="02040503050406030204" pitchFamily="18" charset="0"/>
                           </a:rPr>
                         </m:ctrlPr>
                       </m:sSubPr>
@@ -16964,7 +16611,7 @@
                       <m:sSubPr>
                         <m:ctrlPr>
                           <a:rPr lang="ru-RU" sz="3200" i="1">
-                            <a:latin typeface="Cambria Math"/>
+                            <a:latin typeface="Cambria Math" panose="02040503050406030204" pitchFamily="18" charset="0"/>
                           </a:rPr>
                         </m:ctrlPr>
                       </m:sSubPr>
@@ -16995,7 +16642,7 @@
                       <m:sSupPr>
                         <m:ctrlPr>
                           <a:rPr lang="ru-RU" sz="3200" i="1">
-                            <a:latin typeface="Cambria Math"/>
+                            <a:latin typeface="Cambria Math" panose="02040503050406030204" pitchFamily="18" charset="0"/>
                           </a:rPr>
                         </m:ctrlPr>
                       </m:sSupPr>
@@ -17030,7 +16677,7 @@
                         <m:limLoc m:val="undOvr"/>
                         <m:ctrlPr>
                           <a:rPr lang="ru-RU" sz="3200" i="1">
-                            <a:latin typeface="Cambria Math"/>
+                            <a:latin typeface="Cambria Math" panose="02040503050406030204" pitchFamily="18" charset="0"/>
                           </a:rPr>
                         </m:ctrlPr>
                       </m:naryPr>
@@ -17079,7 +16726,7 @@
                           <m:sSubPr>
                             <m:ctrlPr>
                               <a:rPr lang="ru-RU" sz="3200" i="1">
-                                <a:latin typeface="Cambria Math"/>
+                                <a:latin typeface="Cambria Math" panose="02040503050406030204" pitchFamily="18" charset="0"/>
                               </a:rPr>
                             </m:ctrlPr>
                           </m:sSubPr>
@@ -17123,18 +16770,17 @@
                   </m:oMath>
                 </a14:m>
                 <a:r>
-                  <a:rPr lang="ru-RU" sz="3200" dirty="0" smtClean="0"/>
+                  <a:rPr lang="ru-RU" sz="3200" dirty="0"/>
                   <a:t>. В данной курсовой работе я обращу свой взор на алгоритм </a:t>
                 </a:r>
                 <a:r>
-                  <a:rPr lang="ru-RU" sz="3200" dirty="0" err="1" smtClean="0"/>
+                  <a:rPr lang="ru-RU" sz="3200" dirty="0" err="1"/>
                   <a:t>Дейкстры</a:t>
                 </a:r>
                 <a:r>
-                  <a:rPr lang="ru-RU" sz="3200" dirty="0" smtClean="0"/>
+                  <a:rPr lang="ru-RU" sz="3200" dirty="0"/>
                   <a:t>.</a:t>
                 </a:r>
-                <a:endParaRPr lang="ru-RU" sz="3200" dirty="0"/>
               </a:p>
             </p:txBody>
           </p:sp>
@@ -17221,22 +16867,17 @@
           <a:p>
             <a:pPr algn="r"/>
             <a:r>
-              <a:rPr lang="ru-RU" sz="8000" dirty="0" smtClean="0"/>
+              <a:rPr lang="ru-RU" sz="8000" dirty="0"/>
               <a:t>Понятие</a:t>
             </a:r>
-            <a:endParaRPr lang="en-US" sz="8000" dirty="0" smtClean="0"/>
+            <a:endParaRPr lang="en-US" sz="8000" dirty="0"/>
           </a:p>
           <a:p>
             <a:pPr algn="r"/>
             <a:r>
               <a:rPr lang="ru-RU" sz="5400" dirty="0"/>
-              <a:t>к</a:t>
+              <a:t>кратчайшего расстояния</a:t>
             </a:r>
-            <a:r>
-              <a:rPr lang="ru-RU" sz="5400" dirty="0" smtClean="0"/>
-              <a:t>ратчайшего расстояния</a:t>
-            </a:r>
-            <a:endParaRPr lang="ru-RU" sz="5400" dirty="0"/>
           </a:p>
         </p:txBody>
       </p:sp>
@@ -17262,13 +16903,6 @@
       </p:transition>
     </mc:Fallback>
   </mc:AlternateContent>
-  <p:timing>
-    <p:tnLst>
-      <p:par>
-        <p:cTn id="1" dur="indefinite" restart="never" nodeType="tmRoot"/>
-      </p:par>
-    </p:tnLst>
-  </p:timing>
 </p:sld>
 </file>
 
@@ -17536,7 +17170,7 @@
           </a:lstStyle>
           <a:p>
             <a:r>
-              <a:rPr lang="ru-RU" sz="8000" b="1" dirty="0" smtClean="0">
+              <a:rPr lang="ru-RU" sz="8000" b="1" dirty="0">
                 <a:ln w="12700">
                   <a:solidFill>
                     <a:schemeClr val="tx2">
@@ -17562,7 +17196,7 @@
               <a:t>Алгоритмы </a:t>
             </a:r>
             <a:r>
-              <a:rPr lang="ru-RU" sz="8000" b="1" dirty="0" err="1" smtClean="0">
+              <a:rPr lang="ru-RU" sz="8000" b="1" dirty="0" err="1">
                 <a:ln w="12700">
                   <a:solidFill>
                     <a:schemeClr val="tx2">
@@ -17635,13 +17269,6 @@
       </p:transition>
     </mc:Fallback>
   </mc:AlternateContent>
-  <p:timing>
-    <p:tnLst>
-      <p:par>
-        <p:cTn id="1" dur="indefinite" restart="never" nodeType="tmRoot"/>
-      </p:par>
-    </p:tnLst>
-  </p:timing>
 </p:sld>
 </file>
 
@@ -17756,7 +17383,7 @@
           </a:lstStyle>
           <a:p>
             <a:r>
-              <a:rPr lang="ru-RU" sz="11500" b="1" dirty="0" smtClean="0">
+              <a:rPr lang="ru-RU" sz="11500" b="1" dirty="0">
                 <a:ln w="12700">
                   <a:solidFill>
                     <a:schemeClr val="tx2">
@@ -17781,29 +17408,6 @@
               </a:rPr>
               <a:t>Реализация приложения</a:t>
             </a:r>
-            <a:endParaRPr lang="ru-RU" sz="11500" b="1" dirty="0">
-              <a:ln w="12700">
-                <a:solidFill>
-                  <a:schemeClr val="tx2">
-                    <a:satMod val="155000"/>
-                  </a:schemeClr>
-                </a:solidFill>
-                <a:prstDash val="solid"/>
-              </a:ln>
-              <a:solidFill>
-                <a:schemeClr val="bg2">
-                  <a:tint val="85000"/>
-                  <a:satMod val="155000"/>
-                </a:schemeClr>
-              </a:solidFill>
-              <a:effectLst>
-                <a:outerShdw blurRad="41275" dist="20320" dir="1800000" algn="tl" rotWithShape="0">
-                  <a:srgbClr val="000000">
-                    <a:alpha val="40000"/>
-                  </a:srgbClr>
-                </a:outerShdw>
-              </a:effectLst>
-            </a:endParaRPr>
           </a:p>
         </p:txBody>
       </p:sp>
@@ -17872,10 +17476,9 @@
           <a:lstStyle/>
           <a:p>
             <a:r>
-              <a:rPr lang="ru-RU" sz="4400" dirty="0" smtClean="0"/>
+              <a:rPr lang="ru-RU" sz="4400" dirty="0"/>
               <a:t>Для представления графа в качестве программной единицы мной было реализовано шесть независимых классов</a:t>
             </a:r>
-            <a:endParaRPr lang="ru-RU" sz="4400" dirty="0"/>
           </a:p>
         </p:txBody>
       </p:sp>

--- a/Dijkstra's algorithm/Presentation.pptx
+++ b/Dijkstra's algorithm/Presentation.pptx
@@ -157,6 +157,7 @@
 <file path=ppt/revisionInfo.xml><?xml version="1.0" encoding="utf-8"?>
 <p1510:revInfo xmlns:a="http://schemas.openxmlformats.org/drawingml/2006/main" xmlns:r="http://schemas.openxmlformats.org/officeDocument/2006/relationships" xmlns:p1510="http://schemas.microsoft.com/office/powerpoint/2015/10/main">
   <p1510:revLst>
+    <p1510:client id="{4FA3C5F8-4C59-4F1E-A85B-F37F3596D7E7}" v="6" dt="2021-11-04T10:55:27.676"/>
     <p1510:client id="{F1DFFB33-C1AA-48CE-8EC1-938F81749EA6}" v="3" dt="2021-11-04T10:51:41.671"/>
   </p1510:revLst>
 </p1510:revInfo>
@@ -15051,16 +15052,15 @@
             <p:ph idx="1"/>
           </p:nvPr>
         </p:nvPicPr>
-        <p:blipFill>
+        <p:blipFill rotWithShape="1">
           <a:blip r:embed="rId2"/>
-          <a:stretch>
-            <a:fillRect/>
-          </a:stretch>
+          <a:srcRect l="296" t="651" r="148" b="217"/>
+          <a:stretch/>
         </p:blipFill>
         <p:spPr>
           <a:xfrm>
-            <a:off x="2782044" y="332656"/>
-            <a:ext cx="6564932" cy="4477648"/>
+            <a:off x="2802910" y="361798"/>
+            <a:ext cx="6535818" cy="4438817"/>
           </a:xfrm>
           <a:prstGeom prst="rect">
             <a:avLst/>
